--- a/Документация/Music_Zone.pptx
+++ b/Документация/Music_Zone.pptx
@@ -4433,7 +4433,15 @@
             </a:r>
             <a:r>
               <a:rPr lang="ru-RU" sz="3600" dirty="0"/>
-              <a:t>разработать удобный в использовании каталог музыкального приложения для поиска и прослушивания музыки </a:t>
+              <a:t>разработать </a:t>
+            </a:r>
+            <a:r>
+              <a:rPr lang="ru-RU" sz="3600" dirty="0" smtClean="0"/>
+              <a:t>каталог </a:t>
+            </a:r>
+            <a:r>
+              <a:rPr lang="ru-RU" sz="3600" dirty="0"/>
+              <a:t>музыкального приложения для поиска и прослушивания музыки </a:t>
             </a:r>
           </a:p>
           <a:p>
